--- a/docs/Datamodel.pptx
+++ b/docs/Datamodel.pptx
@@ -259,7 +259,7 @@
           <a:p>
             <a:fld id="{AA1CB1CF-CA61-4B5E-9040-749586097BB4}" type="datetimeFigureOut">
               <a:rPr lang="de-DE" smtClean="0"/>
-              <a:t>01.03.2020</a:t>
+              <a:t>02.03.2020</a:t>
             </a:fld>
             <a:endParaRPr lang="de-DE"/>
           </a:p>
@@ -457,7 +457,7 @@
           <a:p>
             <a:fld id="{AA1CB1CF-CA61-4B5E-9040-749586097BB4}" type="datetimeFigureOut">
               <a:rPr lang="de-DE" smtClean="0"/>
-              <a:t>01.03.2020</a:t>
+              <a:t>02.03.2020</a:t>
             </a:fld>
             <a:endParaRPr lang="de-DE"/>
           </a:p>
@@ -665,7 +665,7 @@
           <a:p>
             <a:fld id="{AA1CB1CF-CA61-4B5E-9040-749586097BB4}" type="datetimeFigureOut">
               <a:rPr lang="de-DE" smtClean="0"/>
-              <a:t>01.03.2020</a:t>
+              <a:t>02.03.2020</a:t>
             </a:fld>
             <a:endParaRPr lang="de-DE"/>
           </a:p>
@@ -863,7 +863,7 @@
           <a:p>
             <a:fld id="{AA1CB1CF-CA61-4B5E-9040-749586097BB4}" type="datetimeFigureOut">
               <a:rPr lang="de-DE" smtClean="0"/>
-              <a:t>01.03.2020</a:t>
+              <a:t>02.03.2020</a:t>
             </a:fld>
             <a:endParaRPr lang="de-DE"/>
           </a:p>
@@ -1138,7 +1138,7 @@
           <a:p>
             <a:fld id="{AA1CB1CF-CA61-4B5E-9040-749586097BB4}" type="datetimeFigureOut">
               <a:rPr lang="de-DE" smtClean="0"/>
-              <a:t>01.03.2020</a:t>
+              <a:t>02.03.2020</a:t>
             </a:fld>
             <a:endParaRPr lang="de-DE"/>
           </a:p>
@@ -1403,7 +1403,7 @@
           <a:p>
             <a:fld id="{AA1CB1CF-CA61-4B5E-9040-749586097BB4}" type="datetimeFigureOut">
               <a:rPr lang="de-DE" smtClean="0"/>
-              <a:t>01.03.2020</a:t>
+              <a:t>02.03.2020</a:t>
             </a:fld>
             <a:endParaRPr lang="de-DE"/>
           </a:p>
@@ -1815,7 +1815,7 @@
           <a:p>
             <a:fld id="{AA1CB1CF-CA61-4B5E-9040-749586097BB4}" type="datetimeFigureOut">
               <a:rPr lang="de-DE" smtClean="0"/>
-              <a:t>01.03.2020</a:t>
+              <a:t>02.03.2020</a:t>
             </a:fld>
             <a:endParaRPr lang="de-DE"/>
           </a:p>
@@ -1956,7 +1956,7 @@
           <a:p>
             <a:fld id="{AA1CB1CF-CA61-4B5E-9040-749586097BB4}" type="datetimeFigureOut">
               <a:rPr lang="de-DE" smtClean="0"/>
-              <a:t>01.03.2020</a:t>
+              <a:t>02.03.2020</a:t>
             </a:fld>
             <a:endParaRPr lang="de-DE"/>
           </a:p>
@@ -2069,7 +2069,7 @@
           <a:p>
             <a:fld id="{AA1CB1CF-CA61-4B5E-9040-749586097BB4}" type="datetimeFigureOut">
               <a:rPr lang="de-DE" smtClean="0"/>
-              <a:t>01.03.2020</a:t>
+              <a:t>02.03.2020</a:t>
             </a:fld>
             <a:endParaRPr lang="de-DE"/>
           </a:p>
@@ -2380,7 +2380,7 @@
           <a:p>
             <a:fld id="{AA1CB1CF-CA61-4B5E-9040-749586097BB4}" type="datetimeFigureOut">
               <a:rPr lang="de-DE" smtClean="0"/>
-              <a:t>01.03.2020</a:t>
+              <a:t>02.03.2020</a:t>
             </a:fld>
             <a:endParaRPr lang="de-DE"/>
           </a:p>
@@ -2668,7 +2668,7 @@
           <a:p>
             <a:fld id="{AA1CB1CF-CA61-4B5E-9040-749586097BB4}" type="datetimeFigureOut">
               <a:rPr lang="de-DE" smtClean="0"/>
-              <a:t>01.03.2020</a:t>
+              <a:t>02.03.2020</a:t>
             </a:fld>
             <a:endParaRPr lang="de-DE"/>
           </a:p>
@@ -2909,7 +2909,7 @@
           <a:p>
             <a:fld id="{AA1CB1CF-CA61-4B5E-9040-749586097BB4}" type="datetimeFigureOut">
               <a:rPr lang="de-DE" smtClean="0"/>
-              <a:t>01.03.2020</a:t>
+              <a:t>02.03.2020</a:t>
             </a:fld>
             <a:endParaRPr lang="de-DE"/>
           </a:p>
@@ -4159,93 +4159,6 @@
       </p:sp>
       <p:sp>
         <p:nvSpPr>
-          <p:cNvPr id="26" name="Flussdiagramm: Zentralspeicher 25">
-            <a:extLst>
-              <a:ext uri="{FF2B5EF4-FFF2-40B4-BE49-F238E27FC236}">
-                <a16:creationId xmlns:a16="http://schemas.microsoft.com/office/drawing/2014/main" id="{D29A8FD3-B9C3-47B4-92A3-6B7CA9A2038E}"/>
-              </a:ext>
-            </a:extLst>
-          </p:cNvPr>
-          <p:cNvSpPr/>
-          <p:nvPr/>
-        </p:nvSpPr>
-        <p:spPr>
-          <a:xfrm>
-            <a:off x="6382873" y="4036270"/>
-            <a:ext cx="2115670" cy="779930"/>
-          </a:xfrm>
-          <a:prstGeom prst="flowChartInternalStorage">
-            <a:avLst/>
-          </a:prstGeom>
-        </p:spPr>
-        <p:style>
-          <a:lnRef idx="2">
-            <a:schemeClr val="accent6"/>
-          </a:lnRef>
-          <a:fillRef idx="1">
-            <a:schemeClr val="lt1"/>
-          </a:fillRef>
-          <a:effectRef idx="0">
-            <a:schemeClr val="accent6"/>
-          </a:effectRef>
-          <a:fontRef idx="minor">
-            <a:schemeClr val="dk1"/>
-          </a:fontRef>
-        </p:style>
-        <p:txBody>
-          <a:bodyPr rtlCol="0" anchor="ctr"/>
-          <a:lstStyle/>
-          <a:p>
-            <a:pPr algn="ctr"/>
-            <a:r>
-              <a:rPr lang="de-DE" dirty="0"/>
-              <a:t>PRICES_STAGING</a:t>
-            </a:r>
-          </a:p>
-        </p:txBody>
-      </p:sp>
-      <p:sp>
-        <p:nvSpPr>
-          <p:cNvPr id="27" name="Textfeld 26">
-            <a:extLst>
-              <a:ext uri="{FF2B5EF4-FFF2-40B4-BE49-F238E27FC236}">
-                <a16:creationId xmlns:a16="http://schemas.microsoft.com/office/drawing/2014/main" id="{EF48F41B-9930-41DE-A839-60D081DD471D}"/>
-              </a:ext>
-            </a:extLst>
-          </p:cNvPr>
-          <p:cNvSpPr txBox="1"/>
-          <p:nvPr/>
-        </p:nvSpPr>
-        <p:spPr>
-          <a:xfrm>
-            <a:off x="8498544" y="4276095"/>
-            <a:ext cx="1429622" cy="369332"/>
-          </a:xfrm>
-          <a:prstGeom prst="rect">
-            <a:avLst/>
-          </a:prstGeom>
-          <a:noFill/>
-        </p:spPr>
-        <p:txBody>
-          <a:bodyPr wrap="none" rtlCol="0">
-            <a:spAutoFit/>
-          </a:bodyPr>
-          <a:lstStyle/>
-          <a:p>
-            <a:r>
-              <a:rPr lang="de-DE" dirty="0"/>
-              <a:t>CLOB </a:t>
-            </a:r>
-            <a:r>
-              <a:rPr lang="de-DE" dirty="0" err="1"/>
-              <a:t>column</a:t>
-            </a:r>
-            <a:endParaRPr lang="de-DE" dirty="0"/>
-          </a:p>
-        </p:txBody>
-      </p:sp>
-      <p:sp>
-        <p:nvSpPr>
           <p:cNvPr id="28" name="Titel 27">
             <a:extLst>
               <a:ext uri="{FF2B5EF4-FFF2-40B4-BE49-F238E27FC236}">

--- a/docs/Datamodel.pptx
+++ b/docs/Datamodel.pptx
@@ -259,7 +259,7 @@
           <a:p>
             <a:fld id="{AA1CB1CF-CA61-4B5E-9040-749586097BB4}" type="datetimeFigureOut">
               <a:rPr lang="de-DE" smtClean="0"/>
-              <a:t>02.03.2020</a:t>
+              <a:t>03.03.2020</a:t>
             </a:fld>
             <a:endParaRPr lang="de-DE"/>
           </a:p>
@@ -457,7 +457,7 @@
           <a:p>
             <a:fld id="{AA1CB1CF-CA61-4B5E-9040-749586097BB4}" type="datetimeFigureOut">
               <a:rPr lang="de-DE" smtClean="0"/>
-              <a:t>02.03.2020</a:t>
+              <a:t>03.03.2020</a:t>
             </a:fld>
             <a:endParaRPr lang="de-DE"/>
           </a:p>
@@ -665,7 +665,7 @@
           <a:p>
             <a:fld id="{AA1CB1CF-CA61-4B5E-9040-749586097BB4}" type="datetimeFigureOut">
               <a:rPr lang="de-DE" smtClean="0"/>
-              <a:t>02.03.2020</a:t>
+              <a:t>03.03.2020</a:t>
             </a:fld>
             <a:endParaRPr lang="de-DE"/>
           </a:p>
@@ -863,7 +863,7 @@
           <a:p>
             <a:fld id="{AA1CB1CF-CA61-4B5E-9040-749586097BB4}" type="datetimeFigureOut">
               <a:rPr lang="de-DE" smtClean="0"/>
-              <a:t>02.03.2020</a:t>
+              <a:t>03.03.2020</a:t>
             </a:fld>
             <a:endParaRPr lang="de-DE"/>
           </a:p>
@@ -1138,7 +1138,7 @@
           <a:p>
             <a:fld id="{AA1CB1CF-CA61-4B5E-9040-749586097BB4}" type="datetimeFigureOut">
               <a:rPr lang="de-DE" smtClean="0"/>
-              <a:t>02.03.2020</a:t>
+              <a:t>03.03.2020</a:t>
             </a:fld>
             <a:endParaRPr lang="de-DE"/>
           </a:p>
@@ -1403,7 +1403,7 @@
           <a:p>
             <a:fld id="{AA1CB1CF-CA61-4B5E-9040-749586097BB4}" type="datetimeFigureOut">
               <a:rPr lang="de-DE" smtClean="0"/>
-              <a:t>02.03.2020</a:t>
+              <a:t>03.03.2020</a:t>
             </a:fld>
             <a:endParaRPr lang="de-DE"/>
           </a:p>
@@ -1815,7 +1815,7 @@
           <a:p>
             <a:fld id="{AA1CB1CF-CA61-4B5E-9040-749586097BB4}" type="datetimeFigureOut">
               <a:rPr lang="de-DE" smtClean="0"/>
-              <a:t>02.03.2020</a:t>
+              <a:t>03.03.2020</a:t>
             </a:fld>
             <a:endParaRPr lang="de-DE"/>
           </a:p>
@@ -1956,7 +1956,7 @@
           <a:p>
             <a:fld id="{AA1CB1CF-CA61-4B5E-9040-749586097BB4}" type="datetimeFigureOut">
               <a:rPr lang="de-DE" smtClean="0"/>
-              <a:t>02.03.2020</a:t>
+              <a:t>03.03.2020</a:t>
             </a:fld>
             <a:endParaRPr lang="de-DE"/>
           </a:p>
@@ -2069,7 +2069,7 @@
           <a:p>
             <a:fld id="{AA1CB1CF-CA61-4B5E-9040-749586097BB4}" type="datetimeFigureOut">
               <a:rPr lang="de-DE" smtClean="0"/>
-              <a:t>02.03.2020</a:t>
+              <a:t>03.03.2020</a:t>
             </a:fld>
             <a:endParaRPr lang="de-DE"/>
           </a:p>
@@ -2380,7 +2380,7 @@
           <a:p>
             <a:fld id="{AA1CB1CF-CA61-4B5E-9040-749586097BB4}" type="datetimeFigureOut">
               <a:rPr lang="de-DE" smtClean="0"/>
-              <a:t>02.03.2020</a:t>
+              <a:t>03.03.2020</a:t>
             </a:fld>
             <a:endParaRPr lang="de-DE"/>
           </a:p>
@@ -2668,7 +2668,7 @@
           <a:p>
             <a:fld id="{AA1CB1CF-CA61-4B5E-9040-749586097BB4}" type="datetimeFigureOut">
               <a:rPr lang="de-DE" smtClean="0"/>
-              <a:t>02.03.2020</a:t>
+              <a:t>03.03.2020</a:t>
             </a:fld>
             <a:endParaRPr lang="de-DE"/>
           </a:p>
@@ -2909,7 +2909,7 @@
           <a:p>
             <a:fld id="{AA1CB1CF-CA61-4B5E-9040-749586097BB4}" type="datetimeFigureOut">
               <a:rPr lang="de-DE" smtClean="0"/>
-              <a:t>02.03.2020</a:t>
+              <a:t>03.03.2020</a:t>
             </a:fld>
             <a:endParaRPr lang="de-DE"/>
           </a:p>
@@ -3676,7 +3676,7 @@
             <a:pPr algn="ctr"/>
             <a:r>
               <a:rPr lang="de-DE" dirty="0"/>
-              <a:t>PRICES</a:t>
+              <a:t>MARKETPRICES</a:t>
             </a:r>
           </a:p>
         </p:txBody>
